--- a/AMP-bn.pptx
+++ b/AMP-bn.pptx
@@ -8,16 +8,14 @@
     <p:sldId id="256" r:id="rId2"/>
     <p:sldId id="259" r:id="rId3"/>
     <p:sldId id="264" r:id="rId4"/>
-    <p:sldId id="260" r:id="rId5"/>
-    <p:sldId id="269" r:id="rId6"/>
-    <p:sldId id="265" r:id="rId7"/>
-    <p:sldId id="266" r:id="rId8"/>
-    <p:sldId id="267" r:id="rId9"/>
-    <p:sldId id="268" r:id="rId10"/>
-    <p:sldId id="257" r:id="rId11"/>
-    <p:sldId id="261" r:id="rId12"/>
-    <p:sldId id="262" r:id="rId13"/>
-    <p:sldId id="263" r:id="rId14"/>
+    <p:sldId id="269" r:id="rId5"/>
+    <p:sldId id="265" r:id="rId6"/>
+    <p:sldId id="266" r:id="rId7"/>
+    <p:sldId id="267" r:id="rId8"/>
+    <p:sldId id="268" r:id="rId9"/>
+    <p:sldId id="261" r:id="rId10"/>
+    <p:sldId id="262" r:id="rId11"/>
+    <p:sldId id="263" r:id="rId12"/>
   </p:sldIdLst>
   <p:sldSz cx="9144000" cy="6858000" type="screen4x3"/>
   <p:notesSz cx="6858000" cy="9144000"/>
@@ -3503,275 +3501,6 @@
         </p:nvSpPr>
         <p:spPr/>
         <p:txBody>
-          <a:bodyPr>
-            <a:normAutofit/>
-          </a:bodyPr>
-          <a:lstStyle/>
-          <a:p>
-            <a:r>
-              <a:rPr lang="en-US" dirty="0" smtClean="0"/>
-              <a:t>Four Handshakes</a:t>
-            </a:r>
-            <a:endParaRPr lang="en-US" dirty="0"/>
-          </a:p>
-        </p:txBody>
-      </p:sp>
-      <p:sp>
-        <p:nvSpPr>
-          <p:cNvPr id="3" name="Content Placeholder 2"/>
-          <p:cNvSpPr>
-            <a:spLocks noGrp="1"/>
-          </p:cNvSpPr>
-          <p:nvPr>
-            <p:ph idx="1"/>
-          </p:nvPr>
-        </p:nvSpPr>
-        <p:spPr/>
-        <p:txBody>
-          <a:bodyPr/>
-          <a:lstStyle/>
-          <a:p>
-            <a:r>
-              <a:rPr lang="en-US" dirty="0" smtClean="0"/>
-              <a:t>Doctor gives patient prescription</a:t>
-            </a:r>
-          </a:p>
-          <a:p>
-            <a:pPr lvl="1"/>
-            <a:r>
-              <a:rPr lang="en-US" dirty="0" smtClean="0"/>
-              <a:t>Patient shares his public key</a:t>
-            </a:r>
-          </a:p>
-          <a:p>
-            <a:pPr lvl="1"/>
-            <a:r>
-              <a:rPr lang="en-US" dirty="0" smtClean="0"/>
-              <a:t>Doctor can look up patient history</a:t>
-            </a:r>
-          </a:p>
-          <a:p>
-            <a:r>
-              <a:rPr lang="en-US" dirty="0" smtClean="0"/>
-              <a:t>Patient creates a request order from pharmacy</a:t>
-            </a:r>
-          </a:p>
-          <a:p>
-            <a:pPr lvl="1"/>
-            <a:r>
-              <a:rPr lang="en-US" dirty="0" smtClean="0"/>
-              <a:t>Picks a </a:t>
-            </a:r>
-            <a:r>
-              <a:rPr lang="en-US" dirty="0" err="1" smtClean="0"/>
-              <a:t>codephrase</a:t>
-            </a:r>
-            <a:r>
-              <a:rPr lang="en-US" dirty="0" smtClean="0"/>
-              <a:t> to give the pharmacist</a:t>
-            </a:r>
-          </a:p>
-          <a:p>
-            <a:r>
-              <a:rPr lang="en-US" dirty="0" smtClean="0"/>
-              <a:t>Pharmacy fills order &amp; confirms</a:t>
-            </a:r>
-          </a:p>
-          <a:p>
-            <a:r>
-              <a:rPr lang="en-US" dirty="0" smtClean="0"/>
-              <a:t>Patient confirms receipt of medication</a:t>
-            </a:r>
-            <a:endParaRPr lang="en-US" dirty="0"/>
-          </a:p>
-        </p:txBody>
-      </p:sp>
-    </p:spTree>
-    <p:extLst>
-      <p:ext uri="{BB962C8B-B14F-4D97-AF65-F5344CB8AC3E}">
-        <p14:creationId xmlns:p14="http://schemas.microsoft.com/office/powerpoint/2010/main" val="3518036563"/>
-      </p:ext>
-    </p:extLst>
-  </p:cSld>
-  <p:clrMapOvr>
-    <a:masterClrMapping/>
-  </p:clrMapOvr>
-  <p:timing>
-    <p:tnLst>
-      <p:par>
-        <p:cTn xmlns:p14="http://schemas.microsoft.com/office/powerpoint/2010/main" id="1" dur="indefinite" restart="never" nodeType="tmRoot"/>
-      </p:par>
-    </p:tnLst>
-  </p:timing>
-</p:sld>
-</file>
-
-<file path=ppt/slides/slide11.xml><?xml version="1.0" encoding="utf-8"?>
-<p:sld xmlns:a="http://schemas.openxmlformats.org/drawingml/2006/main" xmlns:r="http://schemas.openxmlformats.org/officeDocument/2006/relationships" xmlns:p="http://schemas.openxmlformats.org/presentationml/2006/main">
-  <p:cSld>
-    <p:spTree>
-      <p:nvGrpSpPr>
-        <p:cNvPr id="1" name=""/>
-        <p:cNvGrpSpPr/>
-        <p:nvPr/>
-      </p:nvGrpSpPr>
-      <p:grpSpPr>
-        <a:xfrm>
-          <a:off x="0" y="0"/>
-          <a:ext cx="0" cy="0"/>
-          <a:chOff x="0" y="0"/>
-          <a:chExt cx="0" cy="0"/>
-        </a:xfrm>
-      </p:grpSpPr>
-      <p:sp>
-        <p:nvSpPr>
-          <p:cNvPr id="2" name="Title 1"/>
-          <p:cNvSpPr>
-            <a:spLocks noGrp="1"/>
-          </p:cNvSpPr>
-          <p:nvPr>
-            <p:ph type="title"/>
-          </p:nvPr>
-        </p:nvSpPr>
-        <p:spPr/>
-        <p:txBody>
-          <a:bodyPr/>
-          <a:lstStyle/>
-          <a:p>
-            <a:r>
-              <a:rPr lang="en-US" dirty="0" smtClean="0"/>
-              <a:t>Single prescription invariant</a:t>
-            </a:r>
-            <a:endParaRPr lang="en-US" dirty="0"/>
-          </a:p>
-        </p:txBody>
-      </p:sp>
-      <p:sp>
-        <p:nvSpPr>
-          <p:cNvPr id="3" name="Content Placeholder 2"/>
-          <p:cNvSpPr>
-            <a:spLocks noGrp="1"/>
-          </p:cNvSpPr>
-          <p:nvPr>
-            <p:ph idx="1"/>
-          </p:nvPr>
-        </p:nvSpPr>
-        <p:spPr/>
-        <p:txBody>
-          <a:bodyPr>
-            <a:normAutofit/>
-          </a:bodyPr>
-          <a:lstStyle/>
-          <a:p>
-            <a:r>
-              <a:rPr lang="en-US" dirty="0" smtClean="0"/>
-              <a:t>Fill = pills waiting for pickup</a:t>
-            </a:r>
-          </a:p>
-          <a:p>
-            <a:r>
-              <a:rPr lang="en-US" dirty="0" smtClean="0"/>
-              <a:t>Fill order creation requires open prescription</a:t>
-            </a:r>
-          </a:p>
-          <a:p>
-            <a:pPr lvl="1"/>
-            <a:r>
-              <a:rPr lang="en-US" dirty="0" smtClean="0"/>
-              <a:t>No open prescription =&gt; code bounces</a:t>
-            </a:r>
-          </a:p>
-          <a:p>
-            <a:pPr lvl="1"/>
-            <a:r>
-              <a:rPr lang="en-US" dirty="0" smtClean="0"/>
-              <a:t>Enforced time dependence crucial!</a:t>
-            </a:r>
-          </a:p>
-          <a:p>
-            <a:r>
-              <a:rPr lang="en-US" dirty="0" smtClean="0"/>
-              <a:t>Pharmacist asks for </a:t>
-            </a:r>
-            <a:r>
-              <a:rPr lang="en-US" dirty="0" err="1" smtClean="0"/>
-              <a:t>codephrase</a:t>
-            </a:r>
-            <a:endParaRPr lang="en-US" dirty="0"/>
-          </a:p>
-          <a:p>
-            <a:pPr lvl="1"/>
-            <a:r>
-              <a:rPr lang="en-US" dirty="0" smtClean="0"/>
-              <a:t>Optional salting prevents rainbow attacks</a:t>
-            </a:r>
-          </a:p>
-          <a:p>
-            <a:r>
-              <a:rPr lang="en-US" dirty="0" smtClean="0"/>
-              <a:t>Pharmacy can cancel fill if necessary</a:t>
-            </a:r>
-          </a:p>
-          <a:p>
-            <a:r>
-              <a:rPr lang="en-US" dirty="0" smtClean="0"/>
-              <a:t>Completion </a:t>
-            </a:r>
-          </a:p>
-          <a:p>
-            <a:endParaRPr lang="en-US" dirty="0" smtClean="0"/>
-          </a:p>
-        </p:txBody>
-      </p:sp>
-    </p:spTree>
-    <p:extLst>
-      <p:ext uri="{BB962C8B-B14F-4D97-AF65-F5344CB8AC3E}">
-        <p14:creationId xmlns:p14="http://schemas.microsoft.com/office/powerpoint/2010/main" val="342353120"/>
-      </p:ext>
-    </p:extLst>
-  </p:cSld>
-  <p:clrMapOvr>
-    <a:masterClrMapping/>
-  </p:clrMapOvr>
-  <p:timing>
-    <p:tnLst>
-      <p:par>
-        <p:cTn xmlns:p14="http://schemas.microsoft.com/office/powerpoint/2010/main" id="1" dur="indefinite" restart="never" nodeType="tmRoot"/>
-      </p:par>
-    </p:tnLst>
-  </p:timing>
-</p:sld>
-</file>
-
-<file path=ppt/slides/slide12.xml><?xml version="1.0" encoding="utf-8"?>
-<p:sld xmlns:a="http://schemas.openxmlformats.org/drawingml/2006/main" xmlns:r="http://schemas.openxmlformats.org/officeDocument/2006/relationships" xmlns:p="http://schemas.openxmlformats.org/presentationml/2006/main">
-  <p:cSld>
-    <p:spTree>
-      <p:nvGrpSpPr>
-        <p:cNvPr id="1" name=""/>
-        <p:cNvGrpSpPr/>
-        <p:nvPr/>
-      </p:nvGrpSpPr>
-      <p:grpSpPr>
-        <a:xfrm>
-          <a:off x="0" y="0"/>
-          <a:ext cx="0" cy="0"/>
-          <a:chOff x="0" y="0"/>
-          <a:chExt cx="0" cy="0"/>
-        </a:xfrm>
-      </p:grpSpPr>
-      <p:sp>
-        <p:nvSpPr>
-          <p:cNvPr id="2" name="Title 1"/>
-          <p:cNvSpPr>
-            <a:spLocks noGrp="1"/>
-          </p:cNvSpPr>
-          <p:nvPr>
-            <p:ph type="title"/>
-          </p:nvPr>
-        </p:nvSpPr>
-        <p:spPr/>
-        <p:txBody>
           <a:bodyPr/>
           <a:lstStyle/>
           <a:p>
@@ -3870,7 +3599,7 @@
 </p:sld>
 </file>
 
-<file path=ppt/slides/slide13.xml><?xml version="1.0" encoding="utf-8"?>
+<file path=ppt/slides/slide11.xml><?xml version="1.0" encoding="utf-8"?>
 <p:sld xmlns:a="http://schemas.openxmlformats.org/drawingml/2006/main" xmlns:r="http://schemas.openxmlformats.org/officeDocument/2006/relationships" xmlns:p="http://schemas.openxmlformats.org/presentationml/2006/main">
   <p:cSld>
     <p:spTree>
@@ -4443,155 +4172,16 @@
           <a:lstStyle/>
           <a:p>
             <a:r>
-              <a:rPr lang="en-US" dirty="0" err="1" smtClean="0"/>
-              <a:t>Exonum</a:t>
-            </a:r>
-            <a:r>
               <a:rPr lang="en-US" dirty="0" smtClean="0"/>
-              <a:t>?</a:t>
-            </a:r>
-            <a:endParaRPr lang="en-US" dirty="0"/>
-          </a:p>
-        </p:txBody>
-      </p:sp>
-      <p:sp>
-        <p:nvSpPr>
-          <p:cNvPr id="3" name="Content Placeholder 2"/>
-          <p:cNvSpPr>
-            <a:spLocks noGrp="1"/>
-          </p:cNvSpPr>
-          <p:nvPr>
-            <p:ph sz="half" idx="1"/>
-          </p:nvPr>
-        </p:nvSpPr>
-        <p:spPr/>
-        <p:txBody>
-          <a:bodyPr/>
-          <a:lstStyle/>
-          <a:p>
-            <a:r>
-              <a:rPr lang="en-US" dirty="0" smtClean="0"/>
-              <a:t>Database-like storage on </a:t>
+              <a:t>Which </a:t>
             </a:r>
             <a:r>
               <a:rPr lang="en-US" dirty="0" err="1" smtClean="0"/>
               <a:t>blockchain</a:t>
             </a:r>
-            <a:endParaRPr lang="en-US" dirty="0" smtClean="0"/>
-          </a:p>
-          <a:p>
             <a:r>
               <a:rPr lang="en-US" dirty="0" smtClean="0"/>
-              <a:t>Time dependent transactions</a:t>
-            </a:r>
-          </a:p>
-          <a:p>
-            <a:r>
-              <a:rPr lang="en-US" dirty="0" smtClean="0"/>
-              <a:t>Turing-complete smart contracts</a:t>
-            </a:r>
-          </a:p>
-          <a:p>
-            <a:r>
-              <a:rPr lang="en-US" dirty="0" smtClean="0"/>
-              <a:t>Private </a:t>
-            </a:r>
-            <a:r>
-              <a:rPr lang="en-US" dirty="0" err="1" smtClean="0"/>
-              <a:t>blockchain</a:t>
-            </a:r>
-            <a:endParaRPr lang="en-US" dirty="0" smtClean="0"/>
-          </a:p>
-          <a:p>
-            <a:pPr lvl="1"/>
-            <a:r>
-              <a:rPr lang="en-US" dirty="0" smtClean="0"/>
-              <a:t>Capped transaction fees</a:t>
-            </a:r>
-          </a:p>
-        </p:txBody>
-      </p:sp>
-      <p:pic>
-        <p:nvPicPr>
-          <p:cNvPr id="5" name="Content Placeholder 4"/>
-          <p:cNvPicPr>
-            <a:picLocks noGrp="1" noChangeAspect="1"/>
-          </p:cNvPicPr>
-          <p:nvPr>
-            <p:ph sz="half" idx="2"/>
-          </p:nvPr>
-        </p:nvPicPr>
-        <p:blipFill rotWithShape="1">
-          <a:blip r:embed="rId2"/>
-          <a:srcRect l="-762" r="4747"/>
-          <a:stretch/>
-        </p:blipFill>
-        <p:spPr>
-          <a:xfrm>
-            <a:off x="4722448" y="2317750"/>
-            <a:ext cx="4421552" cy="3808413"/>
-          </a:xfrm>
-        </p:spPr>
-      </p:pic>
-    </p:spTree>
-    <p:extLst>
-      <p:ext uri="{BB962C8B-B14F-4D97-AF65-F5344CB8AC3E}">
-        <p14:creationId xmlns:p14="http://schemas.microsoft.com/office/powerpoint/2010/main" val="962659495"/>
-      </p:ext>
-    </p:extLst>
-  </p:cSld>
-  <p:clrMapOvr>
-    <a:masterClrMapping/>
-  </p:clrMapOvr>
-  <p:timing>
-    <p:tnLst>
-      <p:par>
-        <p:cTn xmlns:p14="http://schemas.microsoft.com/office/powerpoint/2010/main" id="1" dur="indefinite" restart="never" nodeType="tmRoot"/>
-      </p:par>
-    </p:tnLst>
-  </p:timing>
-</p:sld>
-</file>
-
-<file path=ppt/slides/slide5.xml><?xml version="1.0" encoding="utf-8"?>
-<p:sld xmlns:a="http://schemas.openxmlformats.org/drawingml/2006/main" xmlns:r="http://schemas.openxmlformats.org/officeDocument/2006/relationships" xmlns:p="http://schemas.openxmlformats.org/presentationml/2006/main">
-  <p:cSld>
-    <p:spTree>
-      <p:nvGrpSpPr>
-        <p:cNvPr id="1" name=""/>
-        <p:cNvGrpSpPr/>
-        <p:nvPr/>
-      </p:nvGrpSpPr>
-      <p:grpSpPr>
-        <a:xfrm>
-          <a:off x="0" y="0"/>
-          <a:ext cx="0" cy="0"/>
-          <a:chOff x="0" y="0"/>
-          <a:chExt cx="0" cy="0"/>
-        </a:xfrm>
-      </p:grpSpPr>
-      <p:sp>
-        <p:nvSpPr>
-          <p:cNvPr id="2" name="Title 1"/>
-          <p:cNvSpPr>
-            <a:spLocks noGrp="1"/>
-          </p:cNvSpPr>
-          <p:nvPr>
-            <p:ph type="title"/>
-          </p:nvPr>
-        </p:nvSpPr>
-        <p:spPr/>
-        <p:txBody>
-          <a:bodyPr/>
-          <a:lstStyle/>
-          <a:p>
-            <a:r>
-              <a:rPr lang="en-US" dirty="0" err="1" smtClean="0"/>
-              <a:t>Blockchain</a:t>
-            </a:r>
-            <a:r>
-              <a:rPr lang="en-US" dirty="0" smtClean="0"/>
-              <a:t> protocols</a:t>
+              <a:t> protocol?</a:t>
             </a:r>
             <a:endParaRPr lang="en-US" dirty="0"/>
           </a:p>
@@ -4606,7 +4196,7 @@
           <p:nvPr>
             <p:extLst>
               <p:ext uri="{D42A27DB-BD31-4B8C-83A1-F6EECF244321}">
-                <p14:modId xmlns:p14="http://schemas.microsoft.com/office/powerpoint/2010/main" val="851868910"/>
+                <p14:modId xmlns:p14="http://schemas.microsoft.com/office/powerpoint/2010/main" val="2972937106"/>
               </p:ext>
             </p:extLst>
           </p:nvPr>
@@ -4658,8 +4248,12 @@
                     <a:lstStyle/>
                     <a:p>
                       <a:r>
+                        <a:rPr lang="en-US" baseline="0" dirty="0" err="1" smtClean="0"/>
+                        <a:t>Ethereum</a:t>
+                      </a:r>
+                      <a:r>
                         <a:rPr lang="en-US" baseline="0" dirty="0" smtClean="0"/>
-                        <a:t>Solidity</a:t>
+                        <a:t> (Solidity)</a:t>
                       </a:r>
                       <a:endParaRPr lang="en-US" dirty="0"/>
                     </a:p>
@@ -4674,6 +4268,13 @@
                       <a:r>
                         <a:rPr lang="en-US" dirty="0" err="1" smtClean="0"/>
                         <a:t>Exonum</a:t>
+                      </a:r>
+                      <a:endParaRPr lang="en-US" dirty="0" smtClean="0"/>
+                    </a:p>
+                    <a:p>
+                      <a:r>
+                        <a:rPr lang="en-US" dirty="0" smtClean="0"/>
+                        <a:t>(Rust)</a:t>
                       </a:r>
                       <a:endParaRPr lang="en-US" dirty="0"/>
                     </a:p>
@@ -4953,7 +4554,7 @@
 </p:sld>
 </file>
 
-<file path=ppt/slides/slide6.xml><?xml version="1.0" encoding="utf-8"?>
+<file path=ppt/slides/slide5.xml><?xml version="1.0" encoding="utf-8"?>
 <p:sld xmlns:a="http://schemas.openxmlformats.org/drawingml/2006/main" xmlns:r="http://schemas.openxmlformats.org/officeDocument/2006/relationships" xmlns:p="http://schemas.openxmlformats.org/presentationml/2006/main">
   <p:cSld>
     <p:spTree>
@@ -5134,7 +4735,7 @@
 </p:sld>
 </file>
 
-<file path=ppt/slides/slide7.xml><?xml version="1.0" encoding="utf-8"?>
+<file path=ppt/slides/slide6.xml><?xml version="1.0" encoding="utf-8"?>
 <p:sld xmlns:a="http://schemas.openxmlformats.org/drawingml/2006/main" xmlns:r="http://schemas.openxmlformats.org/officeDocument/2006/relationships" xmlns:p="http://schemas.openxmlformats.org/presentationml/2006/main">
   <p:cSld>
     <p:spTree>
@@ -5332,7 +4933,7 @@
 </p:sld>
 </file>
 
-<file path=ppt/slides/slide8.xml><?xml version="1.0" encoding="utf-8"?>
+<file path=ppt/slides/slide7.xml><?xml version="1.0" encoding="utf-8"?>
 <p:sld xmlns:a="http://schemas.openxmlformats.org/drawingml/2006/main" xmlns:r="http://schemas.openxmlformats.org/officeDocument/2006/relationships" xmlns:p="http://schemas.openxmlformats.org/presentationml/2006/main">
   <p:cSld>
     <p:spTree>
@@ -5562,7 +5163,7 @@
 </p:sld>
 </file>
 
-<file path=ppt/slides/slide9.xml><?xml version="1.0" encoding="utf-8"?>
+<file path=ppt/slides/slide8.xml><?xml version="1.0" encoding="utf-8"?>
 <p:sld xmlns:a="http://schemas.openxmlformats.org/drawingml/2006/main" xmlns:r="http://schemas.openxmlformats.org/officeDocument/2006/relationships" xmlns:p="http://schemas.openxmlformats.org/presentationml/2006/main">
   <p:cSld>
     <p:spTree>
@@ -5772,6 +5373,143 @@
             </p:seq>
           </p:childTnLst>
         </p:cTn>
+      </p:par>
+    </p:tnLst>
+  </p:timing>
+</p:sld>
+</file>
+
+<file path=ppt/slides/slide9.xml><?xml version="1.0" encoding="utf-8"?>
+<p:sld xmlns:a="http://schemas.openxmlformats.org/drawingml/2006/main" xmlns:r="http://schemas.openxmlformats.org/officeDocument/2006/relationships" xmlns:p="http://schemas.openxmlformats.org/presentationml/2006/main">
+  <p:cSld>
+    <p:spTree>
+      <p:nvGrpSpPr>
+        <p:cNvPr id="1" name=""/>
+        <p:cNvGrpSpPr/>
+        <p:nvPr/>
+      </p:nvGrpSpPr>
+      <p:grpSpPr>
+        <a:xfrm>
+          <a:off x="0" y="0"/>
+          <a:ext cx="0" cy="0"/>
+          <a:chOff x="0" y="0"/>
+          <a:chExt cx="0" cy="0"/>
+        </a:xfrm>
+      </p:grpSpPr>
+      <p:sp>
+        <p:nvSpPr>
+          <p:cNvPr id="2" name="Title 1"/>
+          <p:cNvSpPr>
+            <a:spLocks noGrp="1"/>
+          </p:cNvSpPr>
+          <p:nvPr>
+            <p:ph type="title"/>
+          </p:nvPr>
+        </p:nvSpPr>
+        <p:spPr/>
+        <p:txBody>
+          <a:bodyPr/>
+          <a:lstStyle/>
+          <a:p>
+            <a:r>
+              <a:rPr lang="en-US" dirty="0" smtClean="0"/>
+              <a:t>Single prescription invariant</a:t>
+            </a:r>
+            <a:endParaRPr lang="en-US" dirty="0"/>
+          </a:p>
+        </p:txBody>
+      </p:sp>
+      <p:sp>
+        <p:nvSpPr>
+          <p:cNvPr id="3" name="Content Placeholder 2"/>
+          <p:cNvSpPr>
+            <a:spLocks noGrp="1"/>
+          </p:cNvSpPr>
+          <p:nvPr>
+            <p:ph idx="1"/>
+          </p:nvPr>
+        </p:nvSpPr>
+        <p:spPr/>
+        <p:txBody>
+          <a:bodyPr>
+            <a:normAutofit/>
+          </a:bodyPr>
+          <a:lstStyle/>
+          <a:p>
+            <a:r>
+              <a:rPr lang="en-US" dirty="0" smtClean="0"/>
+              <a:t>Fill = pills waiting for pickup</a:t>
+            </a:r>
+          </a:p>
+          <a:p>
+            <a:r>
+              <a:rPr lang="en-US" dirty="0" smtClean="0"/>
+              <a:t>Fill order creation requires open prescription</a:t>
+            </a:r>
+          </a:p>
+          <a:p>
+            <a:pPr lvl="1"/>
+            <a:r>
+              <a:rPr lang="en-US" dirty="0" smtClean="0"/>
+              <a:t>No open prescription =&gt; code bounces</a:t>
+            </a:r>
+          </a:p>
+          <a:p>
+            <a:pPr lvl="1"/>
+            <a:r>
+              <a:rPr lang="en-US" dirty="0" smtClean="0"/>
+              <a:t>Enforced time dependence crucial!</a:t>
+            </a:r>
+          </a:p>
+          <a:p>
+            <a:r>
+              <a:rPr lang="en-US" dirty="0" smtClean="0"/>
+              <a:t>Pharmacist asks for </a:t>
+            </a:r>
+            <a:r>
+              <a:rPr lang="en-US" dirty="0" err="1" smtClean="0"/>
+              <a:t>codephrase</a:t>
+            </a:r>
+            <a:endParaRPr lang="en-US" dirty="0"/>
+          </a:p>
+          <a:p>
+            <a:pPr lvl="1"/>
+            <a:r>
+              <a:rPr lang="en-US" dirty="0" smtClean="0"/>
+              <a:t>Optional salting prevents rainbow attacks</a:t>
+            </a:r>
+          </a:p>
+          <a:p>
+            <a:r>
+              <a:rPr lang="en-US" dirty="0" smtClean="0"/>
+              <a:t>Pharmacy can cancel fill if necessary</a:t>
+            </a:r>
+          </a:p>
+          <a:p>
+            <a:r>
+              <a:rPr lang="en-US" dirty="0" smtClean="0"/>
+              <a:t>Completion </a:t>
+            </a:r>
+          </a:p>
+          <a:p>
+            <a:endParaRPr lang="en-US" dirty="0" smtClean="0"/>
+          </a:p>
+        </p:txBody>
+      </p:sp>
+    </p:spTree>
+    <p:extLst>
+      <p:ext uri="{BB962C8B-B14F-4D97-AF65-F5344CB8AC3E}">
+        <p14:creationId xmlns:p14="http://schemas.microsoft.com/office/powerpoint/2010/main" val="342353120"/>
+      </p:ext>
+    </p:extLst>
+  </p:cSld>
+  <p:clrMapOvr>
+    <a:masterClrMapping/>
+  </p:clrMapOvr>
+  <p:timing>
+    <p:tnLst>
+      <p:par>
+        <p:cTn xmlns:p14="http://schemas.microsoft.com/office/powerpoint/2010/main" id="1" dur="indefinite" restart="never" nodeType="tmRoot"/>
       </p:par>
     </p:tnLst>
   </p:timing>
